--- a/docs/Hydrant Reporting Service.pptx
+++ b/docs/Hydrant Reporting Service.pptx
@@ -109,6 +109,11 @@
       </a:defRPr>
     </a:lvl9pPr>
   </p:defaultTextStyle>
+  <p:extLst>
+    <p:ext uri="{EFAFB233-063F-42B5-8137-9DF3F51BA10A}">
+      <p15:sldGuideLst xmlns:p15="http://schemas.microsoft.com/office/powerpoint/2012/main"/>
+    </p:ext>
+  </p:extLst>
 </p:presentation>
 </file>
 
@@ -261,7 +266,7 @@
           <a:p>
             <a:fld id="{3C30A939-96A8-42F7-91A5-AF471BD73A9E}" type="datetimeFigureOut">
               <a:rPr lang="en-DE" smtClean="0"/>
-              <a:t>01/09/2022</a:t>
+              <a:t>06/09/2022</a:t>
             </a:fld>
             <a:endParaRPr lang="en-DE"/>
           </a:p>
@@ -315,7 +320,7 @@
           <a:p>
             <a:fld id="{57AE5573-2397-4494-8717-8B1BD3B4CD69}" type="slidenum">
               <a:rPr lang="en-DE" smtClean="0"/>
-              <a:t>‹#›</a:t>
+              <a:t>‹Nr.›</a:t>
             </a:fld>
             <a:endParaRPr lang="en-DE"/>
           </a:p>
@@ -461,7 +466,7 @@
           <a:p>
             <a:fld id="{3C30A939-96A8-42F7-91A5-AF471BD73A9E}" type="datetimeFigureOut">
               <a:rPr lang="en-DE" smtClean="0"/>
-              <a:t>01/09/2022</a:t>
+              <a:t>06/09/2022</a:t>
             </a:fld>
             <a:endParaRPr lang="en-DE"/>
           </a:p>
@@ -515,7 +520,7 @@
           <a:p>
             <a:fld id="{57AE5573-2397-4494-8717-8B1BD3B4CD69}" type="slidenum">
               <a:rPr lang="en-DE" smtClean="0"/>
-              <a:t>‹#›</a:t>
+              <a:t>‹Nr.›</a:t>
             </a:fld>
             <a:endParaRPr lang="en-DE"/>
           </a:p>
@@ -671,7 +676,7 @@
           <a:p>
             <a:fld id="{3C30A939-96A8-42F7-91A5-AF471BD73A9E}" type="datetimeFigureOut">
               <a:rPr lang="en-DE" smtClean="0"/>
-              <a:t>01/09/2022</a:t>
+              <a:t>06/09/2022</a:t>
             </a:fld>
             <a:endParaRPr lang="en-DE"/>
           </a:p>
@@ -725,7 +730,7 @@
           <a:p>
             <a:fld id="{57AE5573-2397-4494-8717-8B1BD3B4CD69}" type="slidenum">
               <a:rPr lang="en-DE" smtClean="0"/>
-              <a:t>‹#›</a:t>
+              <a:t>‹Nr.›</a:t>
             </a:fld>
             <a:endParaRPr lang="en-DE"/>
           </a:p>
@@ -871,7 +876,7 @@
           <a:p>
             <a:fld id="{3C30A939-96A8-42F7-91A5-AF471BD73A9E}" type="datetimeFigureOut">
               <a:rPr lang="en-DE" smtClean="0"/>
-              <a:t>01/09/2022</a:t>
+              <a:t>06/09/2022</a:t>
             </a:fld>
             <a:endParaRPr lang="en-DE"/>
           </a:p>
@@ -925,7 +930,7 @@
           <a:p>
             <a:fld id="{57AE5573-2397-4494-8717-8B1BD3B4CD69}" type="slidenum">
               <a:rPr lang="en-DE" smtClean="0"/>
-              <a:t>‹#›</a:t>
+              <a:t>‹Nr.›</a:t>
             </a:fld>
             <a:endParaRPr lang="en-DE"/>
           </a:p>
@@ -1147,7 +1152,7 @@
           <a:p>
             <a:fld id="{3C30A939-96A8-42F7-91A5-AF471BD73A9E}" type="datetimeFigureOut">
               <a:rPr lang="en-DE" smtClean="0"/>
-              <a:t>01/09/2022</a:t>
+              <a:t>06/09/2022</a:t>
             </a:fld>
             <a:endParaRPr lang="en-DE"/>
           </a:p>
@@ -1201,7 +1206,7 @@
           <a:p>
             <a:fld id="{57AE5573-2397-4494-8717-8B1BD3B4CD69}" type="slidenum">
               <a:rPr lang="en-DE" smtClean="0"/>
-              <a:t>‹#›</a:t>
+              <a:t>‹Nr.›</a:t>
             </a:fld>
             <a:endParaRPr lang="en-DE"/>
           </a:p>
@@ -1415,7 +1420,7 @@
           <a:p>
             <a:fld id="{3C30A939-96A8-42F7-91A5-AF471BD73A9E}" type="datetimeFigureOut">
               <a:rPr lang="en-DE" smtClean="0"/>
-              <a:t>01/09/2022</a:t>
+              <a:t>06/09/2022</a:t>
             </a:fld>
             <a:endParaRPr lang="en-DE"/>
           </a:p>
@@ -1469,7 +1474,7 @@
           <a:p>
             <a:fld id="{57AE5573-2397-4494-8717-8B1BD3B4CD69}" type="slidenum">
               <a:rPr lang="en-DE" smtClean="0"/>
-              <a:t>‹#›</a:t>
+              <a:t>‹Nr.›</a:t>
             </a:fld>
             <a:endParaRPr lang="en-DE"/>
           </a:p>
@@ -1830,7 +1835,7 @@
           <a:p>
             <a:fld id="{3C30A939-96A8-42F7-91A5-AF471BD73A9E}" type="datetimeFigureOut">
               <a:rPr lang="en-DE" smtClean="0"/>
-              <a:t>01/09/2022</a:t>
+              <a:t>06/09/2022</a:t>
             </a:fld>
             <a:endParaRPr lang="en-DE"/>
           </a:p>
@@ -1884,7 +1889,7 @@
           <a:p>
             <a:fld id="{57AE5573-2397-4494-8717-8B1BD3B4CD69}" type="slidenum">
               <a:rPr lang="en-DE" smtClean="0"/>
-              <a:t>‹#›</a:t>
+              <a:t>‹Nr.›</a:t>
             </a:fld>
             <a:endParaRPr lang="en-DE"/>
           </a:p>
@@ -1972,7 +1977,7 @@
           <a:p>
             <a:fld id="{3C30A939-96A8-42F7-91A5-AF471BD73A9E}" type="datetimeFigureOut">
               <a:rPr lang="en-DE" smtClean="0"/>
-              <a:t>01/09/2022</a:t>
+              <a:t>06/09/2022</a:t>
             </a:fld>
             <a:endParaRPr lang="en-DE"/>
           </a:p>
@@ -2026,7 +2031,7 @@
           <a:p>
             <a:fld id="{57AE5573-2397-4494-8717-8B1BD3B4CD69}" type="slidenum">
               <a:rPr lang="en-DE" smtClean="0"/>
-              <a:t>‹#›</a:t>
+              <a:t>‹Nr.›</a:t>
             </a:fld>
             <a:endParaRPr lang="en-DE"/>
           </a:p>
@@ -2085,7 +2090,7 @@
           <a:p>
             <a:fld id="{3C30A939-96A8-42F7-91A5-AF471BD73A9E}" type="datetimeFigureOut">
               <a:rPr lang="en-DE" smtClean="0"/>
-              <a:t>01/09/2022</a:t>
+              <a:t>06/09/2022</a:t>
             </a:fld>
             <a:endParaRPr lang="en-DE"/>
           </a:p>
@@ -2139,7 +2144,7 @@
           <a:p>
             <a:fld id="{57AE5573-2397-4494-8717-8B1BD3B4CD69}" type="slidenum">
               <a:rPr lang="en-DE" smtClean="0"/>
-              <a:t>‹#›</a:t>
+              <a:t>‹Nr.›</a:t>
             </a:fld>
             <a:endParaRPr lang="en-DE"/>
           </a:p>
@@ -2398,7 +2403,7 @@
           <a:p>
             <a:fld id="{3C30A939-96A8-42F7-91A5-AF471BD73A9E}" type="datetimeFigureOut">
               <a:rPr lang="en-DE" smtClean="0"/>
-              <a:t>01/09/2022</a:t>
+              <a:t>06/09/2022</a:t>
             </a:fld>
             <a:endParaRPr lang="en-DE"/>
           </a:p>
@@ -2452,7 +2457,7 @@
           <a:p>
             <a:fld id="{57AE5573-2397-4494-8717-8B1BD3B4CD69}" type="slidenum">
               <a:rPr lang="en-DE" smtClean="0"/>
-              <a:t>‹#›</a:t>
+              <a:t>‹Nr.›</a:t>
             </a:fld>
             <a:endParaRPr lang="en-DE"/>
           </a:p>
@@ -2687,7 +2692,7 @@
           <a:p>
             <a:fld id="{3C30A939-96A8-42F7-91A5-AF471BD73A9E}" type="datetimeFigureOut">
               <a:rPr lang="en-DE" smtClean="0"/>
-              <a:t>01/09/2022</a:t>
+              <a:t>06/09/2022</a:t>
             </a:fld>
             <a:endParaRPr lang="en-DE"/>
           </a:p>
@@ -2741,7 +2746,7 @@
           <a:p>
             <a:fld id="{57AE5573-2397-4494-8717-8B1BD3B4CD69}" type="slidenum">
               <a:rPr lang="en-DE" smtClean="0"/>
-              <a:t>‹#›</a:t>
+              <a:t>‹Nr.›</a:t>
             </a:fld>
             <a:endParaRPr lang="en-DE"/>
           </a:p>
@@ -2930,7 +2935,7 @@
           <a:p>
             <a:fld id="{3C30A939-96A8-42F7-91A5-AF471BD73A9E}" type="datetimeFigureOut">
               <a:rPr lang="en-DE" smtClean="0"/>
-              <a:t>01/09/2022</a:t>
+              <a:t>06/09/2022</a:t>
             </a:fld>
             <a:endParaRPr lang="en-DE"/>
           </a:p>
@@ -3020,7 +3025,7 @@
           <a:p>
             <a:fld id="{57AE5573-2397-4494-8717-8B1BD3B4CD69}" type="slidenum">
               <a:rPr lang="en-DE" smtClean="0"/>
-              <a:t>‹#›</a:t>
+              <a:t>‹Nr.›</a:t>
             </a:fld>
             <a:endParaRPr lang="en-DE"/>
           </a:p>
@@ -6590,12 +6595,8 @@
               <a:buChar char="-"/>
             </a:pPr>
             <a:r>
-              <a:rPr lang="en-US" dirty="0" err="1"/>
-              <a:t>Staus</a:t>
-            </a:r>
-            <a:r>
               <a:rPr lang="en-US" dirty="0"/>
-              <a:t> toggle to show if everything is fine or not</a:t>
+              <a:t>Status toggle to show if everything is fine or not</a:t>
             </a:r>
           </a:p>
           <a:p>
@@ -6604,12 +6605,8 @@
               <a:buChar char="-"/>
             </a:pPr>
             <a:r>
-              <a:rPr lang="en-US" dirty="0" err="1"/>
-              <a:t>Textfield</a:t>
-            </a:r>
-            <a:r>
               <a:rPr lang="en-US" dirty="0"/>
-              <a:t> to enter some optional notes</a:t>
+              <a:t>Text field to enter some optional notes</a:t>
             </a:r>
           </a:p>
           <a:p>
@@ -8309,7 +8306,7 @@
             </a:pPr>
             <a:r>
               <a:rPr lang="en-US" dirty="0"/>
-              <a:t>All available hydrants will be shown as custom pois on the map, cloud backend will provide it as </a:t>
+              <a:t>All available hydrants will be shown as custom POIs on the map, cloud backend will provide it as </a:t>
             </a:r>
             <a:r>
               <a:rPr lang="en-US" dirty="0" err="1"/>
@@ -9856,7 +9853,7 @@
           <a:p>
             <a:r>
               <a:rPr lang="en-US" dirty="0"/>
-              <a:t>Selecting a poi will show some details on a side pane</a:t>
+              <a:t>Selecting a POI will show some details on a side pane</a:t>
             </a:r>
           </a:p>
           <a:p>
@@ -12160,21 +12157,17 @@
           <a:lstStyle/>
           <a:p>
             <a:r>
-              <a:rPr lang="en-US" dirty="0" err="1"/>
-              <a:t>Administratos</a:t>
+              <a:rPr lang="en-US" dirty="0"/>
+              <a:t>Administrators view</a:t>
             </a:r>
+          </a:p>
+          <a:p>
+            <a:endParaRPr lang="en-US" dirty="0"/>
+          </a:p>
+          <a:p>
             <a:r>
               <a:rPr lang="en-US" dirty="0"/>
-              <a:t> view</a:t>
-            </a:r>
-          </a:p>
-          <a:p>
-            <a:endParaRPr lang="en-US" dirty="0"/>
-          </a:p>
-          <a:p>
-            <a:r>
-              <a:rPr lang="en-US" dirty="0"/>
-              <a:t>Login necessary, using a azure b2c</a:t>
+              <a:t>Login necessary, using an Azure B2C</a:t>
             </a:r>
           </a:p>
           <a:p>
@@ -12192,7 +12185,7 @@
           <a:p>
             <a:r>
               <a:rPr lang="en-US" dirty="0"/>
-              <a:t>At the beginning view will be similar to default user. With some small changes</a:t>
+              <a:t>At the beginning view will be like the default user view. With some small changes</a:t>
             </a:r>
           </a:p>
           <a:p>
@@ -13697,19 +13690,19 @@
 
 <file path=customXml/item11.xml><?xml version="1.0" encoding="utf-8"?>
 <Control xmlns="http://schemas.microsoft.com/VisualStudio/2011/storyboarding/control">
-  <Id Name="System.Storyboarding.Backgrounds.WindowsPhone" Revision="1" Stencil="System.Storyboarding.Backgrounds" StencilVersion="0.1"/>
+  <Id Name="System.Storyboarding.Common.Text" Revision="1" Stencil="System.Storyboarding.Common" StencilVersion="0.1"/>
 </Control>
 </file>
 
 <file path=customXml/item12.xml><?xml version="1.0" encoding="utf-8"?>
 <Control xmlns="http://schemas.microsoft.com/VisualStudio/2011/storyboarding/control">
-  <Id Name="System.Storyboarding.Common.ScrollbarVertical" Revision="1" Stencil="System.Storyboarding.Common" StencilVersion="0.1"/>
+  <Id Name="System.Storyboarding.WindowsApps.WindowsAppsTileMedium" Revision="1" Stencil="System.Storyboarding.WindowsApps" StencilVersion="0.1"/>
 </Control>
 </file>
 
 <file path=customXml/item13.xml><?xml version="1.0" encoding="utf-8"?>
 <Control xmlns="http://schemas.microsoft.com/VisualStudio/2011/storyboarding/control">
-  <Id Name="System.Storyboarding.Backgrounds.WindowsPhone" Revision="1" Stencil="System.Storyboarding.Backgrounds" StencilVersion="0.1"/>
+  <Id Name="System.Storyboarding.Common.Text" Revision="1" Stencil="System.Storyboarding.Common" StencilVersion="0.1"/>
 </Control>
 </file>
 
@@ -13721,49 +13714,49 @@
 
 <file path=customXml/item15.xml><?xml version="1.0" encoding="utf-8"?>
 <Control xmlns="http://schemas.microsoft.com/VisualStudio/2011/storyboarding/control">
-  <Id Name="System.Storyboarding.Common.ScrollbarVertical" Revision="1" Stencil="System.Storyboarding.Common" StencilVersion="0.1"/>
+  <Id Name="System.Storyboarding.Common.Text" Revision="1" Stencil="System.Storyboarding.Common" StencilVersion="0.1"/>
 </Control>
 </file>
 
 <file path=customXml/item16.xml><?xml version="1.0" encoding="utf-8"?>
 <Control xmlns="http://schemas.microsoft.com/VisualStudio/2011/storyboarding/control">
-  <Id Name="System.Storyboarding.Common.TextInput" Revision="1" Stencil="System.Storyboarding.Common" StencilVersion="0.1"/>
+  <Id Name="System.Storyboarding.Common.Text" Revision="1" Stencil="System.Storyboarding.Common" StencilVersion="0.1"/>
 </Control>
 </file>
 
 <file path=customXml/item17.xml><?xml version="1.0" encoding="utf-8"?>
 <Control xmlns="http://schemas.microsoft.com/VisualStudio/2011/storyboarding/control">
-  <Id Name="System.Storyboarding.Common.Button" Revision="1" Stencil="System.Storyboarding.Common" StencilVersion="0.1"/>
+  <Id Name="System.Storyboarding.Common.ScrollbarVertical" Revision="1" Stencil="System.Storyboarding.Common" StencilVersion="0.1"/>
 </Control>
 </file>
 
 <file path=customXml/item18.xml><?xml version="1.0" encoding="utf-8"?>
 <Control xmlns="http://schemas.microsoft.com/VisualStudio/2011/storyboarding/control">
-  <Id Name="System.Storyboarding.Common.Text" Revision="1" Stencil="System.Storyboarding.Common" StencilVersion="0.1"/>
+  <Id Name="System.Storyboarding.Common.ScrollbarVertical" Revision="1" Stencil="System.Storyboarding.Common" StencilVersion="0.1"/>
 </Control>
 </file>
 
 <file path=customXml/item19.xml><?xml version="1.0" encoding="utf-8"?>
 <Control xmlns="http://schemas.microsoft.com/VisualStudio/2011/storyboarding/control">
-  <Id Name="System.Storyboarding.WindowsPhone.Tile" Revision="1" Stencil="System.Storyboarding.WindowsPhone" StencilVersion="0.1"/>
+  <Id Name="System.Storyboarding.Common.Button" Revision="1" Stencil="System.Storyboarding.Common" StencilVersion="0.1"/>
 </Control>
 </file>
 
 <file path=customXml/item2.xml><?xml version="1.0" encoding="utf-8"?>
 <Control xmlns="http://schemas.microsoft.com/VisualStudio/2011/storyboarding/control">
-  <Id Name="System.Storyboarding.Common.Text" Revision="1" Stencil="System.Storyboarding.Common" StencilVersion="0.1"/>
+  <Id Name="System.Storyboarding.Media.StreetMap" Revision="1" Stencil="System.Storyboarding.Media" StencilVersion="0.1"/>
 </Control>
 </file>
 
 <file path=customXml/item20.xml><?xml version="1.0" encoding="utf-8"?>
 <Control xmlns="http://schemas.microsoft.com/VisualStudio/2011/storyboarding/control">
-  <Id Name="System.Storyboarding.Icons.TrashCan" Revision="1" Stencil="System.Storyboarding.Icons" StencilVersion="0.1"/>
+  <Id Name="System.Storyboarding.Media.StreetMap" Revision="1" Stencil="System.Storyboarding.Media" StencilVersion="0.1"/>
 </Control>
 </file>
 
 <file path=customXml/item21.xml><?xml version="1.0" encoding="utf-8"?>
 <Control xmlns="http://schemas.microsoft.com/VisualStudio/2011/storyboarding/control">
-  <Id Name="System.Storyboarding.Common.Button" Revision="1" Stencil="System.Storyboarding.Common" StencilVersion="0.1"/>
+  <Id Name="System.Storyboarding.Common.Text" Revision="1" Stencil="System.Storyboarding.Common" StencilVersion="0.1"/>
 </Control>
 </file>
 
@@ -13775,25 +13768,25 @@
 
 <file path=customXml/item23.xml><?xml version="1.0" encoding="utf-8"?>
 <Control xmlns="http://schemas.microsoft.com/VisualStudio/2011/storyboarding/control">
-  <Id Name="System.Storyboarding.Backgrounds.WebBrowser" Revision="1" Stencil="System.Storyboarding.Backgrounds" StencilVersion="0.1"/>
+  <Id Name="System.Storyboarding.Media.StreetMap" Revision="1" Stencil="System.Storyboarding.Media" StencilVersion="0.1"/>
 </Control>
 </file>
 
 <file path=customXml/item24.xml><?xml version="1.0" encoding="utf-8"?>
 <Control xmlns="http://schemas.microsoft.com/VisualStudio/2011/storyboarding/control">
-  <Id Name="System.Storyboarding.Media.StreetMap" Revision="1" Stencil="System.Storyboarding.Media" StencilVersion="0.1"/>
+  <Id Name="System.Storyboarding.Icons.TrashCan" Revision="1" Stencil="System.Storyboarding.Icons" StencilVersion="0.1"/>
 </Control>
 </file>
 
 <file path=customXml/item25.xml><?xml version="1.0" encoding="utf-8"?>
 <Control xmlns="http://schemas.microsoft.com/VisualStudio/2011/storyboarding/control">
-  <Id Name="System.Storyboarding.Media.StreetMap" Revision="1" Stencil="System.Storyboarding.Media" StencilVersion="0.1"/>
+  <Id Name="System.Storyboarding.Common.Text" Revision="1" Stencil="System.Storyboarding.Common" StencilVersion="0.1"/>
 </Control>
 </file>
 
 <file path=customXml/item26.xml><?xml version="1.0" encoding="utf-8"?>
 <Control xmlns="http://schemas.microsoft.com/VisualStudio/2011/storyboarding/control">
-  <Id Name="System.Storyboarding.Backgrounds.WebBrowser" Revision="1" Stencil="System.Storyboarding.Backgrounds" StencilVersion="0.1"/>
+  <Id Name="System.Storyboarding.Backgrounds.WindowsPhone" Revision="1" Stencil="System.Storyboarding.Backgrounds" StencilVersion="0.1"/>
 </Control>
 </file>
 
@@ -13805,25 +13798,25 @@
 
 <file path=customXml/item28.xml><?xml version="1.0" encoding="utf-8"?>
 <Control xmlns="http://schemas.microsoft.com/VisualStudio/2011/storyboarding/control">
-  <Id Name="System.Storyboarding.WindowsApps.WindowsAppsToggleOff" Revision="1" Stencil="System.Storyboarding.WindowsApps" StencilVersion="0.1"/>
+  <Id Name="System.Storyboarding.Common.ScrollbarVertical" Revision="1" Stencil="System.Storyboarding.Common" StencilVersion="0.1"/>
 </Control>
 </file>
 
 <file path=customXml/item29.xml><?xml version="1.0" encoding="utf-8"?>
 <Control xmlns="http://schemas.microsoft.com/VisualStudio/2011/storyboarding/control">
-  <Id Name="System.Storyboarding.WindowsApps.WindowsAppsTileMediumSelected" Revision="1" Stencil="System.Storyboarding.WindowsApps" StencilVersion="0.1"/>
+  <Id Name="System.Storyboarding.Backgrounds.WebBrowser" Revision="1" Stencil="System.Storyboarding.Backgrounds" StencilVersion="0.1"/>
 </Control>
 </file>
 
 <file path=customXml/item3.xml><?xml version="1.0" encoding="utf-8"?>
 <Control xmlns="http://schemas.microsoft.com/VisualStudio/2011/storyboarding/control">
-  <Id Name="System.Storyboarding.Common.ScrollbarVertical" Revision="1" Stencil="System.Storyboarding.Common" StencilVersion="0.1"/>
+  <Id Name="System.Storyboarding.Common.Text" Revision="1" Stencil="System.Storyboarding.Common" StencilVersion="0.1"/>
 </Control>
 </file>
 
 <file path=customXml/item30.xml><?xml version="1.0" encoding="utf-8"?>
 <Control xmlns="http://schemas.microsoft.com/VisualStudio/2011/storyboarding/control">
-  <Id Name="System.Storyboarding.WindowsApps.WindowsAppsTileMedium" Revision="1" Stencil="System.Storyboarding.WindowsApps" StencilVersion="0.1"/>
+  <Id Name="System.Storyboarding.WindowsApps.WindowsAppsToggleOff" Revision="1" Stencil="System.Storyboarding.WindowsApps" StencilVersion="0.1"/>
 </Control>
 </file>
 
@@ -13835,7 +13828,7 @@
 
 <file path=customXml/item32.xml><?xml version="1.0" encoding="utf-8"?>
 <Control xmlns="http://schemas.microsoft.com/VisualStudio/2011/storyboarding/control">
-  <Id Name="System.Storyboarding.Common.Text" Revision="1" Stencil="System.Storyboarding.Common" StencilVersion="0.1"/>
+  <Id Name="System.Storyboarding.Icons.TrashCan" Revision="1" Stencil="System.Storyboarding.Icons" StencilVersion="0.1"/>
 </Control>
 </file>
 
@@ -13853,25 +13846,25 @@
 
 <file path=customXml/item35.xml><?xml version="1.0" encoding="utf-8"?>
 <Control xmlns="http://schemas.microsoft.com/VisualStudio/2011/storyboarding/control">
-  <Id Name="System.Storyboarding.Common.Text" Revision="1" Stencil="System.Storyboarding.Common" StencilVersion="0.1"/>
+  <Id Name="System.Storyboarding.WindowsApps.WindowsAppsTileMedium" Revision="1" Stencil="System.Storyboarding.WindowsApps" StencilVersion="0.1"/>
 </Control>
 </file>
 
 <file path=customXml/item36.xml><?xml version="1.0" encoding="utf-8"?>
 <Control xmlns="http://schemas.microsoft.com/VisualStudio/2011/storyboarding/control">
-  <Id Name="System.Storyboarding.Common.Text" Revision="1" Stencil="System.Storyboarding.Common" StencilVersion="0.1"/>
+  <Id Name="System.Storyboarding.Common.Button" Revision="1" Stencil="System.Storyboarding.Common" StencilVersion="0.1"/>
 </Control>
 </file>
 
 <file path=customXml/item37.xml><?xml version="1.0" encoding="utf-8"?>
 <Control xmlns="http://schemas.microsoft.com/VisualStudio/2011/storyboarding/control">
-  <Id Name="System.Storyboarding.WindowsApps.WindowsAppsToggleOff" Revision="1" Stencil="System.Storyboarding.WindowsApps" StencilVersion="0.1"/>
+  <Id Name="System.Storyboarding.Common.TextInput" Revision="1" Stencil="System.Storyboarding.Common" StencilVersion="0.1"/>
 </Control>
 </file>
 
 <file path=customXml/item38.xml><?xml version="1.0" encoding="utf-8"?>
 <Control xmlns="http://schemas.microsoft.com/VisualStudio/2011/storyboarding/control">
-  <Id Name="System.Storyboarding.Common.Text" Revision="1" Stencil="System.Storyboarding.Common" StencilVersion="0.1"/>
+  <Id Name="System.Storyboarding.Backgrounds.WindowsPhone" Revision="1" Stencil="System.Storyboarding.Backgrounds" StencilVersion="0.1"/>
 </Control>
 </file>
 
@@ -13883,13 +13876,13 @@
 
 <file path=customXml/item4.xml><?xml version="1.0" encoding="utf-8"?>
 <Control xmlns="http://schemas.microsoft.com/VisualStudio/2011/storyboarding/control">
-  <Id Name="System.Storyboarding.Common.Button" Revision="1" Stencil="System.Storyboarding.Common" StencilVersion="0.1"/>
+  <Id Name="System.Storyboarding.WindowsApps.WindowsAppsToggleOff" Revision="1" Stencil="System.Storyboarding.WindowsApps" StencilVersion="0.1"/>
 </Control>
 </file>
 
 <file path=customXml/item40.xml><?xml version="1.0" encoding="utf-8"?>
 <Control xmlns="http://schemas.microsoft.com/VisualStudio/2011/storyboarding/control">
-  <Id Name="System.Storyboarding.Common.Text" Revision="1" Stencil="System.Storyboarding.Common" StencilVersion="0.1"/>
+  <Id Name="System.Storyboarding.Backgrounds.WebBrowser" Revision="1" Stencil="System.Storyboarding.Backgrounds" StencilVersion="0.1"/>
 </Control>
 </file>
 
@@ -13901,7 +13894,7 @@
 
 <file path=customXml/item42.xml><?xml version="1.0" encoding="utf-8"?>
 <Control xmlns="http://schemas.microsoft.com/VisualStudio/2011/storyboarding/control">
-  <Id Name="System.Storyboarding.Common.Text" Revision="1" Stencil="System.Storyboarding.Common" StencilVersion="0.1"/>
+  <Id Name="System.Storyboarding.Common.Button" Revision="1" Stencil="System.Storyboarding.Common" StencilVersion="0.1"/>
 </Control>
 </file>
 
@@ -13913,25 +13906,25 @@
 
 <file path=customXml/item44.xml><?xml version="1.0" encoding="utf-8"?>
 <Control xmlns="http://schemas.microsoft.com/VisualStudio/2011/storyboarding/control">
-  <Id Name="System.Storyboarding.WindowsApps.WindowsAppsTileMedium" Revision="1" Stencil="System.Storyboarding.WindowsApps" StencilVersion="0.1"/>
+  <Id Name="System.Storyboarding.Common.Text" Revision="1" Stencil="System.Storyboarding.Common" StencilVersion="0.1"/>
 </Control>
 </file>
 
 <file path=customXml/item45.xml><?xml version="1.0" encoding="utf-8"?>
 <Control xmlns="http://schemas.microsoft.com/VisualStudio/2011/storyboarding/control">
-  <Id Name="System.Storyboarding.WindowsApps.WindowsAppsToggleOff" Revision="1" Stencil="System.Storyboarding.WindowsApps" StencilVersion="0.1"/>
+  <Id Name="System.Storyboarding.Backgrounds.WebBrowser" Revision="1" Stencil="System.Storyboarding.Backgrounds" StencilVersion="0.1"/>
 </Control>
 </file>
 
 <file path=customXml/item46.xml><?xml version="1.0" encoding="utf-8"?>
 <Control xmlns="http://schemas.microsoft.com/VisualStudio/2011/storyboarding/control">
-  <Id Name="System.Storyboarding.Media.StreetMap" Revision="1" Stencil="System.Storyboarding.Media" StencilVersion="0.1"/>
+  <Id Name="System.Storyboarding.Icons.CheckCircle" Revision="1" Stencil="System.Storyboarding.Icons" StencilVersion="0.1"/>
 </Control>
 </file>
 
 <file path=customXml/item47.xml><?xml version="1.0" encoding="utf-8"?>
 <Control xmlns="http://schemas.microsoft.com/VisualStudio/2011/storyboarding/control">
-  <Id Name="System.Storyboarding.Backgrounds.WebBrowser" Revision="1" Stencil="System.Storyboarding.Backgrounds" StencilVersion="0.1"/>
+  <Id Name="System.Storyboarding.Common.Text" Revision="1" Stencil="System.Storyboarding.Common" StencilVersion="0.1"/>
 </Control>
 </file>
 
@@ -13943,47 +13936,191 @@
 
 <file path=customXml/item49.xml><?xml version="1.0" encoding="utf-8"?>
 <Control xmlns="http://schemas.microsoft.com/VisualStudio/2011/storyboarding/control">
-  <Id Name="System.Storyboarding.Icons.TrashCan" Revision="1" Stencil="System.Storyboarding.Icons" StencilVersion="0.1"/>
+  <Id Name="System.Storyboarding.Common.TextInput" Revision="1" Stencil="System.Storyboarding.Common" StencilVersion="0.1"/>
 </Control>
 </file>
 
 <file path=customXml/item5.xml><?xml version="1.0" encoding="utf-8"?>
 <Control xmlns="http://schemas.microsoft.com/VisualStudio/2011/storyboarding/control">
-  <Id Name="System.Storyboarding.Common.DropdownBox" Revision="1" Stencil="System.Storyboarding.Common" StencilVersion="0.1"/>
+  <Id Name="System.Storyboarding.Common.Text" Revision="1" Stencil="System.Storyboarding.Common" StencilVersion="0.1"/>
 </Control>
 </file>
 
 <file path=customXml/item50.xml><?xml version="1.0" encoding="utf-8"?>
 <Control xmlns="http://schemas.microsoft.com/VisualStudio/2011/storyboarding/control">
-  <Id Name="System.Storyboarding.Icons.CheckCircle" Revision="1" Stencil="System.Storyboarding.Icons" StencilVersion="0.1"/>
+  <Id Name="System.Storyboarding.WindowsApps.WindowsAppsTileMediumSelected" Revision="1" Stencil="System.Storyboarding.WindowsApps" StencilVersion="0.1"/>
 </Control>
 </file>
 
 <file path=customXml/item6.xml><?xml version="1.0" encoding="utf-8"?>
 <Control xmlns="http://schemas.microsoft.com/VisualStudio/2011/storyboarding/control">
-  <Id Name="System.Storyboarding.Common.Text" Revision="1" Stencil="System.Storyboarding.Common" StencilVersion="0.1"/>
+  <Id Name="System.Storyboarding.WindowsApps.WindowsAppsToggleOff" Revision="1" Stencil="System.Storyboarding.WindowsApps" StencilVersion="0.1"/>
 </Control>
 </file>
 
 <file path=customXml/item7.xml><?xml version="1.0" encoding="utf-8"?>
 <Control xmlns="http://schemas.microsoft.com/VisualStudio/2011/storyboarding/control">
-  <Id Name="System.Storyboarding.Common.Text" Revision="1" Stencil="System.Storyboarding.Common" StencilVersion="0.1"/>
+  <Id Name="System.Storyboarding.Common.DropdownBox" Revision="1" Stencil="System.Storyboarding.Common" StencilVersion="0.1"/>
 </Control>
 </file>
 
 <file path=customXml/item8.xml><?xml version="1.0" encoding="utf-8"?>
 <Control xmlns="http://schemas.microsoft.com/VisualStudio/2011/storyboarding/control">
-  <Id Name="System.Storyboarding.Common.Text" Revision="1" Stencil="System.Storyboarding.Common" StencilVersion="0.1"/>
+  <Id Name="System.Storyboarding.WindowsPhone.Tile" Revision="1" Stencil="System.Storyboarding.WindowsPhone" StencilVersion="0.1"/>
 </Control>
 </file>
 
 <file path=customXml/item9.xml><?xml version="1.0" encoding="utf-8"?>
 <Control xmlns="http://schemas.microsoft.com/VisualStudio/2011/storyboarding/control">
-  <Id Name="System.Storyboarding.Common.TextInput" Revision="1" Stencil="System.Storyboarding.Common" StencilVersion="0.1"/>
+  <Id Name="System.Storyboarding.Common.Text" Revision="1" Stencil="System.Storyboarding.Common" StencilVersion="0.1"/>
 </Control>
 </file>
 
 <file path=customXml/itemProps1.xml><?xml version="1.0" encoding="utf-8"?>
+<ds:datastoreItem xmlns:ds="http://schemas.openxmlformats.org/officeDocument/2006/customXml" ds:itemID="{06A6A3E6-09ED-478C-9B79-B65A90F9774C}">
+  <ds:schemaRefs>
+    <ds:schemaRef ds:uri="http://schemas.microsoft.com/VisualStudio/2011/storyboarding/control"/>
+  </ds:schemaRefs>
+</ds:datastoreItem>
+</file>
+
+<file path=customXml/itemProps10.xml><?xml version="1.0" encoding="utf-8"?>
+<ds:datastoreItem xmlns:ds="http://schemas.openxmlformats.org/officeDocument/2006/customXml" ds:itemID="{A2359398-41B0-4506-95EF-1BC25ECB4018}">
+  <ds:schemaRefs>
+    <ds:schemaRef ds:uri="http://schemas.microsoft.com/VisualStudio/2011/storyboarding/control"/>
+  </ds:schemaRefs>
+</ds:datastoreItem>
+</file>
+
+<file path=customXml/itemProps11.xml><?xml version="1.0" encoding="utf-8"?>
+<ds:datastoreItem xmlns:ds="http://schemas.openxmlformats.org/officeDocument/2006/customXml" ds:itemID="{C2F955F2-6EA0-44B5-8198-31BA885D9C61}">
+  <ds:schemaRefs>
+    <ds:schemaRef ds:uri="http://schemas.microsoft.com/VisualStudio/2011/storyboarding/control"/>
+  </ds:schemaRefs>
+</ds:datastoreItem>
+</file>
+
+<file path=customXml/itemProps12.xml><?xml version="1.0" encoding="utf-8"?>
+<ds:datastoreItem xmlns:ds="http://schemas.openxmlformats.org/officeDocument/2006/customXml" ds:itemID="{FD9D787B-52FD-4B81-8D65-A5CD0191FA83}">
+  <ds:schemaRefs>
+    <ds:schemaRef ds:uri="http://schemas.microsoft.com/VisualStudio/2011/storyboarding/control"/>
+  </ds:schemaRefs>
+</ds:datastoreItem>
+</file>
+
+<file path=customXml/itemProps13.xml><?xml version="1.0" encoding="utf-8"?>
+<ds:datastoreItem xmlns:ds="http://schemas.openxmlformats.org/officeDocument/2006/customXml" ds:itemID="{5442371C-CD48-4E29-90FB-5C1FEB9D0665}">
+  <ds:schemaRefs>
+    <ds:schemaRef ds:uri="http://schemas.microsoft.com/VisualStudio/2011/storyboarding/control"/>
+  </ds:schemaRefs>
+</ds:datastoreItem>
+</file>
+
+<file path=customXml/itemProps14.xml><?xml version="1.0" encoding="utf-8"?>
+<ds:datastoreItem xmlns:ds="http://schemas.openxmlformats.org/officeDocument/2006/customXml" ds:itemID="{789087FE-99E9-4989-BB8C-1D45EEC06B25}">
+  <ds:schemaRefs>
+    <ds:schemaRef ds:uri="http://schemas.microsoft.com/VisualStudio/2011/storyboarding/control"/>
+  </ds:schemaRefs>
+</ds:datastoreItem>
+</file>
+
+<file path=customXml/itemProps15.xml><?xml version="1.0" encoding="utf-8"?>
+<ds:datastoreItem xmlns:ds="http://schemas.openxmlformats.org/officeDocument/2006/customXml" ds:itemID="{FA6BF856-9600-4AAF-BA3B-38FA06AC54D2}">
+  <ds:schemaRefs>
+    <ds:schemaRef ds:uri="http://schemas.microsoft.com/VisualStudio/2011/storyboarding/control"/>
+  </ds:schemaRefs>
+</ds:datastoreItem>
+</file>
+
+<file path=customXml/itemProps16.xml><?xml version="1.0" encoding="utf-8"?>
+<ds:datastoreItem xmlns:ds="http://schemas.openxmlformats.org/officeDocument/2006/customXml" ds:itemID="{686C04EA-4863-4B23-A4C0-D52A8B929DEC}">
+  <ds:schemaRefs>
+    <ds:schemaRef ds:uri="http://schemas.microsoft.com/VisualStudio/2011/storyboarding/control"/>
+  </ds:schemaRefs>
+</ds:datastoreItem>
+</file>
+
+<file path=customXml/itemProps17.xml><?xml version="1.0" encoding="utf-8"?>
+<ds:datastoreItem xmlns:ds="http://schemas.openxmlformats.org/officeDocument/2006/customXml" ds:itemID="{E849131D-5F7A-4B8E-8487-488CA4C121D2}">
+  <ds:schemaRefs>
+    <ds:schemaRef ds:uri="http://schemas.microsoft.com/VisualStudio/2011/storyboarding/control"/>
+  </ds:schemaRefs>
+</ds:datastoreItem>
+</file>
+
+<file path=customXml/itemProps18.xml><?xml version="1.0" encoding="utf-8"?>
+<ds:datastoreItem xmlns:ds="http://schemas.openxmlformats.org/officeDocument/2006/customXml" ds:itemID="{4DA3BC5F-D003-443D-9C0B-62479941E54C}">
+  <ds:schemaRefs>
+    <ds:schemaRef ds:uri="http://schemas.microsoft.com/VisualStudio/2011/storyboarding/control"/>
+  </ds:schemaRefs>
+</ds:datastoreItem>
+</file>
+
+<file path=customXml/itemProps19.xml><?xml version="1.0" encoding="utf-8"?>
+<ds:datastoreItem xmlns:ds="http://schemas.openxmlformats.org/officeDocument/2006/customXml" ds:itemID="{744F6601-11B2-462C-A97B-C1913EDCE7AA}">
+  <ds:schemaRefs>
+    <ds:schemaRef ds:uri="http://schemas.microsoft.com/VisualStudio/2011/storyboarding/control"/>
+  </ds:schemaRefs>
+</ds:datastoreItem>
+</file>
+
+<file path=customXml/itemProps2.xml><?xml version="1.0" encoding="utf-8"?>
+<ds:datastoreItem xmlns:ds="http://schemas.openxmlformats.org/officeDocument/2006/customXml" ds:itemID="{AB170CEE-0700-451C-B3AE-05C637B6CED4}">
+  <ds:schemaRefs>
+    <ds:schemaRef ds:uri="http://schemas.microsoft.com/VisualStudio/2011/storyboarding/control"/>
+  </ds:schemaRefs>
+</ds:datastoreItem>
+</file>
+
+<file path=customXml/itemProps20.xml><?xml version="1.0" encoding="utf-8"?>
+<ds:datastoreItem xmlns:ds="http://schemas.openxmlformats.org/officeDocument/2006/customXml" ds:itemID="{4AB0D00F-3B92-4E70-BB43-EB1E610A610E}">
+  <ds:schemaRefs>
+    <ds:schemaRef ds:uri="http://schemas.microsoft.com/VisualStudio/2011/storyboarding/control"/>
+  </ds:schemaRefs>
+</ds:datastoreItem>
+</file>
+
+<file path=customXml/itemProps21.xml><?xml version="1.0" encoding="utf-8"?>
+<ds:datastoreItem xmlns:ds="http://schemas.openxmlformats.org/officeDocument/2006/customXml" ds:itemID="{6801FD38-AB91-4700-9E9C-76A712DDEEEE}">
+  <ds:schemaRefs>
+    <ds:schemaRef ds:uri="http://schemas.microsoft.com/VisualStudio/2011/storyboarding/control"/>
+  </ds:schemaRefs>
+</ds:datastoreItem>
+</file>
+
+<file path=customXml/itemProps22.xml><?xml version="1.0" encoding="utf-8"?>
+<ds:datastoreItem xmlns:ds="http://schemas.openxmlformats.org/officeDocument/2006/customXml" ds:itemID="{E733E871-F8A5-4A48-9FF5-2B4B1342A2A9}">
+  <ds:schemaRefs>
+    <ds:schemaRef ds:uri="http://schemas.microsoft.com/VisualStudio/2011/storyboarding/control"/>
+  </ds:schemaRefs>
+</ds:datastoreItem>
+</file>
+
+<file path=customXml/itemProps23.xml><?xml version="1.0" encoding="utf-8"?>
+<ds:datastoreItem xmlns:ds="http://schemas.openxmlformats.org/officeDocument/2006/customXml" ds:itemID="{7617E625-E850-433D-BDA7-FB397632C080}">
+  <ds:schemaRefs>
+    <ds:schemaRef ds:uri="http://schemas.microsoft.com/VisualStudio/2011/storyboarding/control"/>
+  </ds:schemaRefs>
+</ds:datastoreItem>
+</file>
+
+<file path=customXml/itemProps24.xml><?xml version="1.0" encoding="utf-8"?>
+<ds:datastoreItem xmlns:ds="http://schemas.openxmlformats.org/officeDocument/2006/customXml" ds:itemID="{5001B9C3-1049-4A2B-A90B-98969D971378}">
+  <ds:schemaRefs>
+    <ds:schemaRef ds:uri="http://schemas.microsoft.com/VisualStudio/2011/storyboarding/control"/>
+  </ds:schemaRefs>
+</ds:datastoreItem>
+</file>
+
+<file path=customXml/itemProps25.xml><?xml version="1.0" encoding="utf-8"?>
+<ds:datastoreItem xmlns:ds="http://schemas.openxmlformats.org/officeDocument/2006/customXml" ds:itemID="{78706C2A-9EBE-4C07-949B-135C17630544}">
+  <ds:schemaRefs>
+    <ds:schemaRef ds:uri="http://schemas.microsoft.com/VisualStudio/2011/storyboarding/control"/>
+  </ds:schemaRefs>
+</ds:datastoreItem>
+</file>
+
+<file path=customXml/itemProps26.xml><?xml version="1.0" encoding="utf-8"?>
 <ds:datastoreItem xmlns:ds="http://schemas.openxmlformats.org/officeDocument/2006/customXml" ds:itemID="{FAAC5B4B-CF5A-4564-9F77-A2B830D000B8}">
   <ds:schemaRefs>
     <ds:schemaRef ds:uri="http://schemas.microsoft.com/VisualStudio/2011/storyboarding/control"/>
@@ -13991,7 +14128,63 @@
 </ds:datastoreItem>
 </file>
 
-<file path=customXml/itemProps10.xml><?xml version="1.0" encoding="utf-8"?>
+<file path=customXml/itemProps27.xml><?xml version="1.0" encoding="utf-8"?>
+<ds:datastoreItem xmlns:ds="http://schemas.openxmlformats.org/officeDocument/2006/customXml" ds:itemID="{053F9284-D76E-43E6-86D3-B5A095FC9353}">
+  <ds:schemaRefs>
+    <ds:schemaRef ds:uri="http://schemas.microsoft.com/VisualStudio/2011/storyboarding/control"/>
+  </ds:schemaRefs>
+</ds:datastoreItem>
+</file>
+
+<file path=customXml/itemProps28.xml><?xml version="1.0" encoding="utf-8"?>
+<ds:datastoreItem xmlns:ds="http://schemas.openxmlformats.org/officeDocument/2006/customXml" ds:itemID="{AAFE1EB7-7331-4B8F-A940-2DB95352596D}">
+  <ds:schemaRefs>
+    <ds:schemaRef ds:uri="http://schemas.microsoft.com/VisualStudio/2011/storyboarding/control"/>
+  </ds:schemaRefs>
+</ds:datastoreItem>
+</file>
+
+<file path=customXml/itemProps29.xml><?xml version="1.0" encoding="utf-8"?>
+<ds:datastoreItem xmlns:ds="http://schemas.openxmlformats.org/officeDocument/2006/customXml" ds:itemID="{69891D78-83F3-41FB-9B57-C84552D37EA5}">
+  <ds:schemaRefs>
+    <ds:schemaRef ds:uri="http://schemas.microsoft.com/VisualStudio/2011/storyboarding/control"/>
+  </ds:schemaRefs>
+</ds:datastoreItem>
+</file>
+
+<file path=customXml/itemProps3.xml><?xml version="1.0" encoding="utf-8"?>
+<ds:datastoreItem xmlns:ds="http://schemas.openxmlformats.org/officeDocument/2006/customXml" ds:itemID="{1008DE71-8BAD-4365-8718-A84E38556316}">
+  <ds:schemaRefs>
+    <ds:schemaRef ds:uri="http://schemas.microsoft.com/VisualStudio/2011/storyboarding/control"/>
+  </ds:schemaRefs>
+</ds:datastoreItem>
+</file>
+
+<file path=customXml/itemProps30.xml><?xml version="1.0" encoding="utf-8"?>
+<ds:datastoreItem xmlns:ds="http://schemas.openxmlformats.org/officeDocument/2006/customXml" ds:itemID="{F84CFDE3-75F8-48B2-9F0F-F6E5D5B6C08A}">
+  <ds:schemaRefs>
+    <ds:schemaRef ds:uri="http://schemas.microsoft.com/VisualStudio/2011/storyboarding/control"/>
+  </ds:schemaRefs>
+</ds:datastoreItem>
+</file>
+
+<file path=customXml/itemProps31.xml><?xml version="1.0" encoding="utf-8"?>
+<ds:datastoreItem xmlns:ds="http://schemas.openxmlformats.org/officeDocument/2006/customXml" ds:itemID="{99B52217-38A3-41F9-8B79-9804C106B8F7}">
+  <ds:schemaRefs>
+    <ds:schemaRef ds:uri="http://schemas.microsoft.com/VisualStudio/2011/storyboarding/control"/>
+  </ds:schemaRefs>
+</ds:datastoreItem>
+</file>
+
+<file path=customXml/itemProps32.xml><?xml version="1.0" encoding="utf-8"?>
+<ds:datastoreItem xmlns:ds="http://schemas.openxmlformats.org/officeDocument/2006/customXml" ds:itemID="{CCECB311-B10B-4C0B-8AB2-4EA6167B2416}">
+  <ds:schemaRefs>
+    <ds:schemaRef ds:uri="http://schemas.microsoft.com/VisualStudio/2011/storyboarding/control"/>
+  </ds:schemaRefs>
+</ds:datastoreItem>
+</file>
+
+<file path=customXml/itemProps33.xml><?xml version="1.0" encoding="utf-8"?>
 <ds:datastoreItem xmlns:ds="http://schemas.openxmlformats.org/officeDocument/2006/customXml" ds:itemID="{AE08D369-EBB6-47E2-8561-9BE4E6111A20}">
   <ds:schemaRefs>
     <ds:schemaRef ds:uri="http://schemas.microsoft.com/VisualStudio/2011/storyboarding/control"/>
@@ -13999,23 +14192,39 @@
 </ds:datastoreItem>
 </file>
 
-<file path=customXml/itemProps11.xml><?xml version="1.0" encoding="utf-8"?>
-<ds:datastoreItem xmlns:ds="http://schemas.openxmlformats.org/officeDocument/2006/customXml" ds:itemID="{06A6A3E6-09ED-478C-9B79-B65A90F9774C}">
+<file path=customXml/itemProps34.xml><?xml version="1.0" encoding="utf-8"?>
+<ds:datastoreItem xmlns:ds="http://schemas.openxmlformats.org/officeDocument/2006/customXml" ds:itemID="{944C2CCE-D284-495D-AEA6-E418A373EE61}">
   <ds:schemaRefs>
     <ds:schemaRef ds:uri="http://schemas.microsoft.com/VisualStudio/2011/storyboarding/control"/>
   </ds:schemaRefs>
 </ds:datastoreItem>
 </file>
 
-<file path=customXml/itemProps12.xml><?xml version="1.0" encoding="utf-8"?>
-<ds:datastoreItem xmlns:ds="http://schemas.openxmlformats.org/officeDocument/2006/customXml" ds:itemID="{4DA3BC5F-D003-443D-9C0B-62479941E54C}">
+<file path=customXml/itemProps35.xml><?xml version="1.0" encoding="utf-8"?>
+<ds:datastoreItem xmlns:ds="http://schemas.openxmlformats.org/officeDocument/2006/customXml" ds:itemID="{B8D18D0D-9515-4960-9183-6A1786F55192}">
   <ds:schemaRefs>
     <ds:schemaRef ds:uri="http://schemas.microsoft.com/VisualStudio/2011/storyboarding/control"/>
   </ds:schemaRefs>
 </ds:datastoreItem>
 </file>
 
-<file path=customXml/itemProps13.xml><?xml version="1.0" encoding="utf-8"?>
+<file path=customXml/itemProps36.xml><?xml version="1.0" encoding="utf-8"?>
+<ds:datastoreItem xmlns:ds="http://schemas.openxmlformats.org/officeDocument/2006/customXml" ds:itemID="{A6021625-D064-418C-8376-DB28BA6CBFAD}">
+  <ds:schemaRefs>
+    <ds:schemaRef ds:uri="http://schemas.microsoft.com/VisualStudio/2011/storyboarding/control"/>
+  </ds:schemaRefs>
+</ds:datastoreItem>
+</file>
+
+<file path=customXml/itemProps37.xml><?xml version="1.0" encoding="utf-8"?>
+<ds:datastoreItem xmlns:ds="http://schemas.openxmlformats.org/officeDocument/2006/customXml" ds:itemID="{BEC29516-A330-4472-9728-FDF19028A762}">
+  <ds:schemaRefs>
+    <ds:schemaRef ds:uri="http://schemas.microsoft.com/VisualStudio/2011/storyboarding/control"/>
+  </ds:schemaRefs>
+</ds:datastoreItem>
+</file>
+
+<file path=customXml/itemProps38.xml><?xml version="1.0" encoding="utf-8"?>
 <ds:datastoreItem xmlns:ds="http://schemas.openxmlformats.org/officeDocument/2006/customXml" ds:itemID="{3B204FAA-4917-42F2-A9CB-6F8A2A8028D1}">
   <ds:schemaRefs>
     <ds:schemaRef ds:uri="http://schemas.microsoft.com/VisualStudio/2011/storyboarding/control"/>
@@ -14023,7 +14232,143 @@
 </ds:datastoreItem>
 </file>
 
-<file path=customXml/itemProps14.xml><?xml version="1.0" encoding="utf-8"?>
+<file path=customXml/itemProps39.xml><?xml version="1.0" encoding="utf-8"?>
+<ds:datastoreItem xmlns:ds="http://schemas.openxmlformats.org/officeDocument/2006/customXml" ds:itemID="{F92A9AC2-C2F4-44E8-9DBA-684EAF590FA2}">
+  <ds:schemaRefs>
+    <ds:schemaRef ds:uri="http://schemas.microsoft.com/VisualStudio/2011/storyboarding/control"/>
+  </ds:schemaRefs>
+</ds:datastoreItem>
+</file>
+
+<file path=customXml/itemProps4.xml><?xml version="1.0" encoding="utf-8"?>
+<ds:datastoreItem xmlns:ds="http://schemas.openxmlformats.org/officeDocument/2006/customXml" ds:itemID="{243230B7-D13E-4FD4-A8A1-12EE4F94F8B4}">
+  <ds:schemaRefs>
+    <ds:schemaRef ds:uri="http://schemas.microsoft.com/VisualStudio/2011/storyboarding/control"/>
+  </ds:schemaRefs>
+</ds:datastoreItem>
+</file>
+
+<file path=customXml/itemProps40.xml><?xml version="1.0" encoding="utf-8"?>
+<ds:datastoreItem xmlns:ds="http://schemas.openxmlformats.org/officeDocument/2006/customXml" ds:itemID="{15342B47-1104-4050-BB47-267F76B2E65E}">
+  <ds:schemaRefs>
+    <ds:schemaRef ds:uri="http://schemas.microsoft.com/VisualStudio/2011/storyboarding/control"/>
+  </ds:schemaRefs>
+</ds:datastoreItem>
+</file>
+
+<file path=customXml/itemProps41.xml><?xml version="1.0" encoding="utf-8"?>
+<ds:datastoreItem xmlns:ds="http://schemas.openxmlformats.org/officeDocument/2006/customXml" ds:itemID="{E0F82A00-A20B-4A19-9857-2378063E5011}">
+  <ds:schemaRefs>
+    <ds:schemaRef ds:uri="http://schemas.microsoft.com/VisualStudio/2011/storyboarding/control"/>
+  </ds:schemaRefs>
+</ds:datastoreItem>
+</file>
+
+<file path=customXml/itemProps42.xml><?xml version="1.0" encoding="utf-8"?>
+<ds:datastoreItem xmlns:ds="http://schemas.openxmlformats.org/officeDocument/2006/customXml" ds:itemID="{AC7A2184-593E-43B9-B986-8C71FFA58989}">
+  <ds:schemaRefs>
+    <ds:schemaRef ds:uri="http://schemas.microsoft.com/VisualStudio/2011/storyboarding/control"/>
+  </ds:schemaRefs>
+</ds:datastoreItem>
+</file>
+
+<file path=customXml/itemProps43.xml><?xml version="1.0" encoding="utf-8"?>
+<ds:datastoreItem xmlns:ds="http://schemas.openxmlformats.org/officeDocument/2006/customXml" ds:itemID="{652F8507-3386-456E-87CD-CF4C770FEE57}">
+  <ds:schemaRefs>
+    <ds:schemaRef ds:uri="http://schemas.microsoft.com/VisualStudio/2011/storyboarding/control"/>
+  </ds:schemaRefs>
+</ds:datastoreItem>
+</file>
+
+<file path=customXml/itemProps44.xml><?xml version="1.0" encoding="utf-8"?>
+<ds:datastoreItem xmlns:ds="http://schemas.openxmlformats.org/officeDocument/2006/customXml" ds:itemID="{37935CDD-6B43-4B02-98E7-5EAA21AD0112}">
+  <ds:schemaRefs>
+    <ds:schemaRef ds:uri="http://schemas.microsoft.com/VisualStudio/2011/storyboarding/control"/>
+  </ds:schemaRefs>
+</ds:datastoreItem>
+</file>
+
+<file path=customXml/itemProps45.xml><?xml version="1.0" encoding="utf-8"?>
+<ds:datastoreItem xmlns:ds="http://schemas.openxmlformats.org/officeDocument/2006/customXml" ds:itemID="{9754AD3F-7ECF-4766-8D36-7DA6BB32FB61}">
+  <ds:schemaRefs>
+    <ds:schemaRef ds:uri="http://schemas.microsoft.com/VisualStudio/2011/storyboarding/control"/>
+  </ds:schemaRefs>
+</ds:datastoreItem>
+</file>
+
+<file path=customXml/itemProps46.xml><?xml version="1.0" encoding="utf-8"?>
+<ds:datastoreItem xmlns:ds="http://schemas.openxmlformats.org/officeDocument/2006/customXml" ds:itemID="{4101EABC-93CD-4437-A8AC-9BC9ACD38468}">
+  <ds:schemaRefs>
+    <ds:schemaRef ds:uri="http://schemas.microsoft.com/VisualStudio/2011/storyboarding/control"/>
+  </ds:schemaRefs>
+</ds:datastoreItem>
+</file>
+
+<file path=customXml/itemProps47.xml><?xml version="1.0" encoding="utf-8"?>
+<ds:datastoreItem xmlns:ds="http://schemas.openxmlformats.org/officeDocument/2006/customXml" ds:itemID="{EC299A9A-482C-4C39-8E17-1CDAF78CFC53}">
+  <ds:schemaRefs>
+    <ds:schemaRef ds:uri="http://schemas.microsoft.com/VisualStudio/2011/storyboarding/control"/>
+  </ds:schemaRefs>
+</ds:datastoreItem>
+</file>
+
+<file path=customXml/itemProps48.xml><?xml version="1.0" encoding="utf-8"?>
+<ds:datastoreItem xmlns:ds="http://schemas.openxmlformats.org/officeDocument/2006/customXml" ds:itemID="{D2BAF2E9-30A7-4855-AE7C-2F2059E2FE06}">
+  <ds:schemaRefs>
+    <ds:schemaRef ds:uri="http://schemas.microsoft.com/VisualStudio/2011/storyboarding/control"/>
+  </ds:schemaRefs>
+</ds:datastoreItem>
+</file>
+
+<file path=customXml/itemProps49.xml><?xml version="1.0" encoding="utf-8"?>
+<ds:datastoreItem xmlns:ds="http://schemas.openxmlformats.org/officeDocument/2006/customXml" ds:itemID="{F09EF82C-1EFB-4D8E-A4D1-3AFEBCC89DF0}">
+  <ds:schemaRefs>
+    <ds:schemaRef ds:uri="http://schemas.microsoft.com/VisualStudio/2011/storyboarding/control"/>
+  </ds:schemaRefs>
+</ds:datastoreItem>
+</file>
+
+<file path=customXml/itemProps5.xml><?xml version="1.0" encoding="utf-8"?>
+<ds:datastoreItem xmlns:ds="http://schemas.openxmlformats.org/officeDocument/2006/customXml" ds:itemID="{538F4C23-C086-4EF2-8314-DD5F27CE436F}">
+  <ds:schemaRefs>
+    <ds:schemaRef ds:uri="http://schemas.microsoft.com/VisualStudio/2011/storyboarding/control"/>
+  </ds:schemaRefs>
+</ds:datastoreItem>
+</file>
+
+<file path=customXml/itemProps50.xml><?xml version="1.0" encoding="utf-8"?>
+<ds:datastoreItem xmlns:ds="http://schemas.openxmlformats.org/officeDocument/2006/customXml" ds:itemID="{20F904CD-B152-40CB-913B-8CDD163B6EAF}">
+  <ds:schemaRefs>
+    <ds:schemaRef ds:uri="http://schemas.microsoft.com/VisualStudio/2011/storyboarding/control"/>
+  </ds:schemaRefs>
+</ds:datastoreItem>
+</file>
+
+<file path=customXml/itemProps6.xml><?xml version="1.0" encoding="utf-8"?>
+<ds:datastoreItem xmlns:ds="http://schemas.openxmlformats.org/officeDocument/2006/customXml" ds:itemID="{29C43C9E-E7A2-4B82-8FCF-BEDC2CDC241B}">
+  <ds:schemaRefs>
+    <ds:schemaRef ds:uri="http://schemas.microsoft.com/VisualStudio/2011/storyboarding/control"/>
+  </ds:schemaRefs>
+</ds:datastoreItem>
+</file>
+
+<file path=customXml/itemProps7.xml><?xml version="1.0" encoding="utf-8"?>
+<ds:datastoreItem xmlns:ds="http://schemas.openxmlformats.org/officeDocument/2006/customXml" ds:itemID="{192545D5-B5C4-45C8-9449-F4D0BFC11736}">
+  <ds:schemaRefs>
+    <ds:schemaRef ds:uri="http://schemas.microsoft.com/VisualStudio/2011/storyboarding/control"/>
+  </ds:schemaRefs>
+</ds:datastoreItem>
+</file>
+
+<file path=customXml/itemProps8.xml><?xml version="1.0" encoding="utf-8"?>
+<ds:datastoreItem xmlns:ds="http://schemas.openxmlformats.org/officeDocument/2006/customXml" ds:itemID="{EB1BA6E2-167F-4BFC-B0EE-B8A7759F6CF7}">
+  <ds:schemaRefs>
+    <ds:schemaRef ds:uri="http://schemas.microsoft.com/VisualStudio/2011/storyboarding/control"/>
+  </ds:schemaRefs>
+</ds:datastoreItem>
+</file>
+
+<file path=customXml/itemProps9.xml><?xml version="1.0" encoding="utf-8"?>
 <ds:datastoreItem xmlns:ds="http://schemas.openxmlformats.org/officeDocument/2006/customXml" ds:itemID="{69F9AF1A-EA42-4B28-8591-C7EED5646AC8}">
   <ds:schemaRefs>
     <ds:schemaRef ds:uri="http://schemas.microsoft.com/VisualStudio/2011/storyboarding/control"/>
@@ -14031,354 +14376,8 @@
 </ds:datastoreItem>
 </file>
 
-<file path=customXml/itemProps15.xml><?xml version="1.0" encoding="utf-8"?>
-<ds:datastoreItem xmlns:ds="http://schemas.openxmlformats.org/officeDocument/2006/customXml" ds:itemID="{AAFE1EB7-7331-4B8F-A940-2DB95352596D}">
-  <ds:schemaRefs>
-    <ds:schemaRef ds:uri="http://schemas.microsoft.com/VisualStudio/2011/storyboarding/control"/>
-  </ds:schemaRefs>
-</ds:datastoreItem>
-</file>
-
-<file path=customXml/itemProps16.xml><?xml version="1.0" encoding="utf-8"?>
-<ds:datastoreItem xmlns:ds="http://schemas.openxmlformats.org/officeDocument/2006/customXml" ds:itemID="{F09EF82C-1EFB-4D8E-A4D1-3AFEBCC89DF0}">
-  <ds:schemaRefs>
-    <ds:schemaRef ds:uri="http://schemas.microsoft.com/VisualStudio/2011/storyboarding/control"/>
-  </ds:schemaRefs>
-</ds:datastoreItem>
-</file>
-
-<file path=customXml/itemProps17.xml><?xml version="1.0" encoding="utf-8"?>
-<ds:datastoreItem xmlns:ds="http://schemas.openxmlformats.org/officeDocument/2006/customXml" ds:itemID="{744F6601-11B2-462C-A97B-C1913EDCE7AA}">
-  <ds:schemaRefs>
-    <ds:schemaRef ds:uri="http://schemas.microsoft.com/VisualStudio/2011/storyboarding/control"/>
-  </ds:schemaRefs>
-</ds:datastoreItem>
-</file>
-
-<file path=customXml/itemProps18.xml><?xml version="1.0" encoding="utf-8"?>
-<ds:datastoreItem xmlns:ds="http://schemas.openxmlformats.org/officeDocument/2006/customXml" ds:itemID="{F92A9AC2-C2F4-44E8-9DBA-684EAF590FA2}">
-  <ds:schemaRefs>
-    <ds:schemaRef ds:uri="http://schemas.microsoft.com/VisualStudio/2011/storyboarding/control"/>
-  </ds:schemaRefs>
-</ds:datastoreItem>
-</file>
-
-<file path=customXml/itemProps19.xml><?xml version="1.0" encoding="utf-8"?>
-<ds:datastoreItem xmlns:ds="http://schemas.openxmlformats.org/officeDocument/2006/customXml" ds:itemID="{EB1BA6E2-167F-4BFC-B0EE-B8A7759F6CF7}">
-  <ds:schemaRefs>
-    <ds:schemaRef ds:uri="http://schemas.microsoft.com/VisualStudio/2011/storyboarding/control"/>
-  </ds:schemaRefs>
-</ds:datastoreItem>
-</file>
-
-<file path=customXml/itemProps2.xml><?xml version="1.0" encoding="utf-8"?>
-<ds:datastoreItem xmlns:ds="http://schemas.openxmlformats.org/officeDocument/2006/customXml" ds:itemID="{D2BAF2E9-30A7-4855-AE7C-2F2059E2FE06}">
-  <ds:schemaRefs>
-    <ds:schemaRef ds:uri="http://schemas.microsoft.com/VisualStudio/2011/storyboarding/control"/>
-  </ds:schemaRefs>
-</ds:datastoreItem>
-</file>
-
-<file path=customXml/itemProps20.xml><?xml version="1.0" encoding="utf-8"?>
-<ds:datastoreItem xmlns:ds="http://schemas.openxmlformats.org/officeDocument/2006/customXml" ds:itemID="{5001B9C3-1049-4A2B-A90B-98969D971378}">
-  <ds:schemaRefs>
-    <ds:schemaRef ds:uri="http://schemas.microsoft.com/VisualStudio/2011/storyboarding/control"/>
-  </ds:schemaRefs>
-</ds:datastoreItem>
-</file>
-
-<file path=customXml/itemProps21.xml><?xml version="1.0" encoding="utf-8"?>
-<ds:datastoreItem xmlns:ds="http://schemas.openxmlformats.org/officeDocument/2006/customXml" ds:itemID="{AC7A2184-593E-43B9-B986-8C71FFA58989}">
-  <ds:schemaRefs>
-    <ds:schemaRef ds:uri="http://schemas.microsoft.com/VisualStudio/2011/storyboarding/control"/>
-  </ds:schemaRefs>
-</ds:datastoreItem>
-</file>
-
-<file path=customXml/itemProps22.xml><?xml version="1.0" encoding="utf-8"?>
-<ds:datastoreItem xmlns:ds="http://schemas.openxmlformats.org/officeDocument/2006/customXml" ds:itemID="{A2359398-41B0-4506-95EF-1BC25ECB4018}">
-  <ds:schemaRefs>
-    <ds:schemaRef ds:uri="http://schemas.microsoft.com/VisualStudio/2011/storyboarding/control"/>
-  </ds:schemaRefs>
-</ds:datastoreItem>
-</file>
-
-<file path=customXml/itemProps23.xml><?xml version="1.0" encoding="utf-8"?>
-<ds:datastoreItem xmlns:ds="http://schemas.openxmlformats.org/officeDocument/2006/customXml" ds:itemID="{69891D78-83F3-41FB-9B57-C84552D37EA5}">
-  <ds:schemaRefs>
-    <ds:schemaRef ds:uri="http://schemas.microsoft.com/VisualStudio/2011/storyboarding/control"/>
-  </ds:schemaRefs>
-</ds:datastoreItem>
-</file>
-
-<file path=customXml/itemProps24.xml><?xml version="1.0" encoding="utf-8"?>
-<ds:datastoreItem xmlns:ds="http://schemas.openxmlformats.org/officeDocument/2006/customXml" ds:itemID="{AB170CEE-0700-451C-B3AE-05C637B6CED4}">
-  <ds:schemaRefs>
-    <ds:schemaRef ds:uri="http://schemas.microsoft.com/VisualStudio/2011/storyboarding/control"/>
-  </ds:schemaRefs>
-</ds:datastoreItem>
-</file>
-
-<file path=customXml/itemProps25.xml><?xml version="1.0" encoding="utf-8"?>
-<ds:datastoreItem xmlns:ds="http://schemas.openxmlformats.org/officeDocument/2006/customXml" ds:itemID="{4AB0D00F-3B92-4E70-BB43-EB1E610A610E}">
-  <ds:schemaRefs>
-    <ds:schemaRef ds:uri="http://schemas.microsoft.com/VisualStudio/2011/storyboarding/control"/>
-  </ds:schemaRefs>
-</ds:datastoreItem>
-</file>
-
-<file path=customXml/itemProps26.xml><?xml version="1.0" encoding="utf-8"?>
-<ds:datastoreItem xmlns:ds="http://schemas.openxmlformats.org/officeDocument/2006/customXml" ds:itemID="{15342B47-1104-4050-BB47-267F76B2E65E}">
-  <ds:schemaRefs>
-    <ds:schemaRef ds:uri="http://schemas.microsoft.com/VisualStudio/2011/storyboarding/control"/>
-  </ds:schemaRefs>
-</ds:datastoreItem>
-</file>
-
-<file path=customXml/itemProps27.xml><?xml version="1.0" encoding="utf-8"?>
-<ds:datastoreItem xmlns:ds="http://schemas.openxmlformats.org/officeDocument/2006/customXml" ds:itemID="{C2F955F2-6EA0-44B5-8198-31BA885D9C61}">
-  <ds:schemaRefs>
-    <ds:schemaRef ds:uri="http://schemas.microsoft.com/VisualStudio/2011/storyboarding/control"/>
-  </ds:schemaRefs>
-</ds:datastoreItem>
-</file>
-
-<file path=customXml/itemProps28.xml><?xml version="1.0" encoding="utf-8"?>
-<ds:datastoreItem xmlns:ds="http://schemas.openxmlformats.org/officeDocument/2006/customXml" ds:itemID="{F84CFDE3-75F8-48B2-9F0F-F6E5D5B6C08A}">
-  <ds:schemaRefs>
-    <ds:schemaRef ds:uri="http://schemas.microsoft.com/VisualStudio/2011/storyboarding/control"/>
-  </ds:schemaRefs>
-</ds:datastoreItem>
-</file>
-
-<file path=customXml/itemProps29.xml><?xml version="1.0" encoding="utf-8"?>
-<ds:datastoreItem xmlns:ds="http://schemas.openxmlformats.org/officeDocument/2006/customXml" ds:itemID="{20F904CD-B152-40CB-913B-8CDD163B6EAF}">
-  <ds:schemaRefs>
-    <ds:schemaRef ds:uri="http://schemas.microsoft.com/VisualStudio/2011/storyboarding/control"/>
-  </ds:schemaRefs>
-</ds:datastoreItem>
-</file>
-
-<file path=customXml/itemProps3.xml><?xml version="1.0" encoding="utf-8"?>
-<ds:datastoreItem xmlns:ds="http://schemas.openxmlformats.org/officeDocument/2006/customXml" ds:itemID="{E849131D-5F7A-4B8E-8487-488CA4C121D2}">
-  <ds:schemaRefs>
-    <ds:schemaRef ds:uri="http://schemas.microsoft.com/VisualStudio/2011/storyboarding/control"/>
-  </ds:schemaRefs>
-</ds:datastoreItem>
-</file>
-
-<file path=customXml/itemProps30.xml><?xml version="1.0" encoding="utf-8"?>
-<ds:datastoreItem xmlns:ds="http://schemas.openxmlformats.org/officeDocument/2006/customXml" ds:itemID="{FD9D787B-52FD-4B81-8D65-A5CD0191FA83}">
-  <ds:schemaRefs>
-    <ds:schemaRef ds:uri="http://schemas.microsoft.com/VisualStudio/2011/storyboarding/control"/>
-  </ds:schemaRefs>
-</ds:datastoreItem>
-</file>
-
-<file path=customXml/itemProps31.xml><?xml version="1.0" encoding="utf-8"?>
-<ds:datastoreItem xmlns:ds="http://schemas.openxmlformats.org/officeDocument/2006/customXml" ds:itemID="{944C2CCE-D284-495D-AEA6-E418A373EE61}">
-  <ds:schemaRefs>
-    <ds:schemaRef ds:uri="http://schemas.microsoft.com/VisualStudio/2011/storyboarding/control"/>
-  </ds:schemaRefs>
-</ds:datastoreItem>
-</file>
-
-<file path=customXml/itemProps32.xml><?xml version="1.0" encoding="utf-8"?>
-<ds:datastoreItem xmlns:ds="http://schemas.openxmlformats.org/officeDocument/2006/customXml" ds:itemID="{1008DE71-8BAD-4365-8718-A84E38556316}">
-  <ds:schemaRefs>
-    <ds:schemaRef ds:uri="http://schemas.microsoft.com/VisualStudio/2011/storyboarding/control"/>
-  </ds:schemaRefs>
-</ds:datastoreItem>
-</file>
-
-<file path=customXml/itemProps33.xml><?xml version="1.0" encoding="utf-8"?>
-<ds:datastoreItem xmlns:ds="http://schemas.openxmlformats.org/officeDocument/2006/customXml" ds:itemID="{6801FD38-AB91-4700-9E9C-76A712DDEEEE}">
-  <ds:schemaRefs>
-    <ds:schemaRef ds:uri="http://schemas.microsoft.com/VisualStudio/2011/storyboarding/control"/>
-  </ds:schemaRefs>
-</ds:datastoreItem>
-</file>
-
-<file path=customXml/itemProps34.xml><?xml version="1.0" encoding="utf-8"?>
-<ds:datastoreItem xmlns:ds="http://schemas.openxmlformats.org/officeDocument/2006/customXml" ds:itemID="{652F8507-3386-456E-87CD-CF4C770FEE57}">
-  <ds:schemaRefs>
-    <ds:schemaRef ds:uri="http://schemas.microsoft.com/VisualStudio/2011/storyboarding/control"/>
-  </ds:schemaRefs>
-</ds:datastoreItem>
-</file>
-
-<file path=customXml/itemProps35.xml><?xml version="1.0" encoding="utf-8"?>
-<ds:datastoreItem xmlns:ds="http://schemas.openxmlformats.org/officeDocument/2006/customXml" ds:itemID="{5442371C-CD48-4E29-90FB-5C1FEB9D0665}">
-  <ds:schemaRefs>
-    <ds:schemaRef ds:uri="http://schemas.microsoft.com/VisualStudio/2011/storyboarding/control"/>
-  </ds:schemaRefs>
-</ds:datastoreItem>
-</file>
-
-<file path=customXml/itemProps36.xml><?xml version="1.0" encoding="utf-8"?>
-<ds:datastoreItem xmlns:ds="http://schemas.openxmlformats.org/officeDocument/2006/customXml" ds:itemID="{99B52217-38A3-41F9-8B79-9804C106B8F7}">
-  <ds:schemaRefs>
-    <ds:schemaRef ds:uri="http://schemas.microsoft.com/VisualStudio/2011/storyboarding/control"/>
-  </ds:schemaRefs>
-</ds:datastoreItem>
-</file>
-
-<file path=customXml/itemProps37.xml><?xml version="1.0" encoding="utf-8"?>
-<ds:datastoreItem xmlns:ds="http://schemas.openxmlformats.org/officeDocument/2006/customXml" ds:itemID="{243230B7-D13E-4FD4-A8A1-12EE4F94F8B4}">
-  <ds:schemaRefs>
-    <ds:schemaRef ds:uri="http://schemas.microsoft.com/VisualStudio/2011/storyboarding/control"/>
-  </ds:schemaRefs>
-</ds:datastoreItem>
-</file>
-
-<file path=customXml/itemProps38.xml><?xml version="1.0" encoding="utf-8"?>
-<ds:datastoreItem xmlns:ds="http://schemas.openxmlformats.org/officeDocument/2006/customXml" ds:itemID="{E733E871-F8A5-4A48-9FF5-2B4B1342A2A9}">
-  <ds:schemaRefs>
-    <ds:schemaRef ds:uri="http://schemas.microsoft.com/VisualStudio/2011/storyboarding/control"/>
-  </ds:schemaRefs>
-</ds:datastoreItem>
-</file>
-
-<file path=customXml/itemProps39.xml><?xml version="1.0" encoding="utf-8"?>
-<ds:datastoreItem xmlns:ds="http://schemas.openxmlformats.org/officeDocument/2006/customXml" ds:itemID="{E0F82A00-A20B-4A19-9857-2378063E5011}">
-  <ds:schemaRefs>
-    <ds:schemaRef ds:uri="http://schemas.microsoft.com/VisualStudio/2011/storyboarding/control"/>
-  </ds:schemaRefs>
-</ds:datastoreItem>
-</file>
-
-<file path=customXml/itemProps4.xml><?xml version="1.0" encoding="utf-8"?>
-<ds:datastoreItem xmlns:ds="http://schemas.openxmlformats.org/officeDocument/2006/customXml" ds:itemID="{A6021625-D064-418C-8376-DB28BA6CBFAD}">
-  <ds:schemaRefs>
-    <ds:schemaRef ds:uri="http://schemas.microsoft.com/VisualStudio/2011/storyboarding/control"/>
-  </ds:schemaRefs>
-</ds:datastoreItem>
-</file>
-
-<file path=customXml/itemProps40.xml><?xml version="1.0" encoding="utf-8"?>
-<ds:datastoreItem xmlns:ds="http://schemas.openxmlformats.org/officeDocument/2006/customXml" ds:itemID="{538F4C23-C086-4EF2-8314-DD5F27CE436F}">
-  <ds:schemaRefs>
-    <ds:schemaRef ds:uri="http://schemas.microsoft.com/VisualStudio/2011/storyboarding/control"/>
-  </ds:schemaRefs>
-</ds:datastoreItem>
-</file>
-
-<file path=customXml/itemProps41.xml><?xml version="1.0" encoding="utf-8"?>
-<ds:datastoreItem xmlns:ds="http://schemas.openxmlformats.org/officeDocument/2006/customXml" ds:itemID="{78706C2A-9EBE-4C07-949B-135C17630544}">
-  <ds:schemaRefs>
-    <ds:schemaRef ds:uri="http://schemas.microsoft.com/VisualStudio/2011/storyboarding/control"/>
-  </ds:schemaRefs>
-</ds:datastoreItem>
-</file>
-
-<file path=customXml/itemProps42.xml><?xml version="1.0" encoding="utf-8"?>
-<ds:datastoreItem xmlns:ds="http://schemas.openxmlformats.org/officeDocument/2006/customXml" ds:itemID="{37935CDD-6B43-4B02-98E7-5EAA21AD0112}">
-  <ds:schemaRefs>
-    <ds:schemaRef ds:uri="http://schemas.microsoft.com/VisualStudio/2011/storyboarding/control"/>
-  </ds:schemaRefs>
-</ds:datastoreItem>
-</file>
-
-<file path=customXml/itemProps43.xml><?xml version="1.0" encoding="utf-8"?>
-<ds:datastoreItem xmlns:ds="http://schemas.openxmlformats.org/officeDocument/2006/customXml" ds:itemID="{789087FE-99E9-4989-BB8C-1D45EEC06B25}">
-  <ds:schemaRefs>
-    <ds:schemaRef ds:uri="http://schemas.microsoft.com/VisualStudio/2011/storyboarding/control"/>
-  </ds:schemaRefs>
-</ds:datastoreItem>
-</file>
-
-<file path=customXml/itemProps44.xml><?xml version="1.0" encoding="utf-8"?>
-<ds:datastoreItem xmlns:ds="http://schemas.openxmlformats.org/officeDocument/2006/customXml" ds:itemID="{B8D18D0D-9515-4960-9183-6A1786F55192}">
-  <ds:schemaRefs>
-    <ds:schemaRef ds:uri="http://schemas.microsoft.com/VisualStudio/2011/storyboarding/control"/>
-  </ds:schemaRefs>
-</ds:datastoreItem>
-</file>
-
-<file path=customXml/itemProps45.xml><?xml version="1.0" encoding="utf-8"?>
-<ds:datastoreItem xmlns:ds="http://schemas.openxmlformats.org/officeDocument/2006/customXml" ds:itemID="{29C43C9E-E7A2-4B82-8FCF-BEDC2CDC241B}">
-  <ds:schemaRefs>
-    <ds:schemaRef ds:uri="http://schemas.microsoft.com/VisualStudio/2011/storyboarding/control"/>
-  </ds:schemaRefs>
-</ds:datastoreItem>
-</file>
-
-<file path=customXml/itemProps46.xml><?xml version="1.0" encoding="utf-8"?>
-<ds:datastoreItem xmlns:ds="http://schemas.openxmlformats.org/officeDocument/2006/customXml" ds:itemID="{7617E625-E850-433D-BDA7-FB397632C080}">
-  <ds:schemaRefs>
-    <ds:schemaRef ds:uri="http://schemas.microsoft.com/VisualStudio/2011/storyboarding/control"/>
-  </ds:schemaRefs>
-</ds:datastoreItem>
-</file>
-
-<file path=customXml/itemProps47.xml><?xml version="1.0" encoding="utf-8"?>
-<ds:datastoreItem xmlns:ds="http://schemas.openxmlformats.org/officeDocument/2006/customXml" ds:itemID="{9754AD3F-7ECF-4766-8D36-7DA6BB32FB61}">
-  <ds:schemaRefs>
-    <ds:schemaRef ds:uri="http://schemas.microsoft.com/VisualStudio/2011/storyboarding/control"/>
-  </ds:schemaRefs>
-</ds:datastoreItem>
-</file>
-
-<file path=customXml/itemProps48.xml><?xml version="1.0" encoding="utf-8"?>
-<ds:datastoreItem xmlns:ds="http://schemas.openxmlformats.org/officeDocument/2006/customXml" ds:itemID="{FA6BF856-9600-4AAF-BA3B-38FA06AC54D2}">
-  <ds:schemaRefs>
-    <ds:schemaRef ds:uri="http://schemas.microsoft.com/VisualStudio/2011/storyboarding/control"/>
-  </ds:schemaRefs>
-</ds:datastoreItem>
-</file>
-
-<file path=customXml/itemProps49.xml><?xml version="1.0" encoding="utf-8"?>
-<ds:datastoreItem xmlns:ds="http://schemas.openxmlformats.org/officeDocument/2006/customXml" ds:itemID="{CCECB311-B10B-4C0B-8AB2-4EA6167B2416}">
-  <ds:schemaRefs>
-    <ds:schemaRef ds:uri="http://schemas.microsoft.com/VisualStudio/2011/storyboarding/control"/>
-  </ds:schemaRefs>
-</ds:datastoreItem>
-</file>
-
-<file path=customXml/itemProps5.xml><?xml version="1.0" encoding="utf-8"?>
-<ds:datastoreItem xmlns:ds="http://schemas.openxmlformats.org/officeDocument/2006/customXml" ds:itemID="{192545D5-B5C4-45C8-9449-F4D0BFC11736}">
-  <ds:schemaRefs>
-    <ds:schemaRef ds:uri="http://schemas.microsoft.com/VisualStudio/2011/storyboarding/control"/>
-  </ds:schemaRefs>
-</ds:datastoreItem>
-</file>
-
-<file path=customXml/itemProps50.xml><?xml version="1.0" encoding="utf-8"?>
-<ds:datastoreItem xmlns:ds="http://schemas.openxmlformats.org/officeDocument/2006/customXml" ds:itemID="{4101EABC-93CD-4437-A8AC-9BC9ACD38468}">
-  <ds:schemaRefs>
-    <ds:schemaRef ds:uri="http://schemas.microsoft.com/VisualStudio/2011/storyboarding/control"/>
-  </ds:schemaRefs>
-</ds:datastoreItem>
-</file>
-
-<file path=customXml/itemProps6.xml><?xml version="1.0" encoding="utf-8"?>
-<ds:datastoreItem xmlns:ds="http://schemas.openxmlformats.org/officeDocument/2006/customXml" ds:itemID="{053F9284-D76E-43E6-86D3-B5A095FC9353}">
-  <ds:schemaRefs>
-    <ds:schemaRef ds:uri="http://schemas.microsoft.com/VisualStudio/2011/storyboarding/control"/>
-  </ds:schemaRefs>
-</ds:datastoreItem>
-</file>
-
-<file path=customXml/itemProps7.xml><?xml version="1.0" encoding="utf-8"?>
-<ds:datastoreItem xmlns:ds="http://schemas.openxmlformats.org/officeDocument/2006/customXml" ds:itemID="{EC299A9A-482C-4C39-8E17-1CDAF78CFC53}">
-  <ds:schemaRefs>
-    <ds:schemaRef ds:uri="http://schemas.microsoft.com/VisualStudio/2011/storyboarding/control"/>
-  </ds:schemaRefs>
-</ds:datastoreItem>
-</file>
-
-<file path=customXml/itemProps8.xml><?xml version="1.0" encoding="utf-8"?>
-<ds:datastoreItem xmlns:ds="http://schemas.openxmlformats.org/officeDocument/2006/customXml" ds:itemID="{686C04EA-4863-4B23-A4C0-D52A8B929DEC}">
-  <ds:schemaRefs>
-    <ds:schemaRef ds:uri="http://schemas.microsoft.com/VisualStudio/2011/storyboarding/control"/>
-  </ds:schemaRefs>
-</ds:datastoreItem>
-</file>
-
-<file path=customXml/itemProps9.xml><?xml version="1.0" encoding="utf-8"?>
-<ds:datastoreItem xmlns:ds="http://schemas.openxmlformats.org/officeDocument/2006/customXml" ds:itemID="{BEC29516-A330-4472-9728-FDF19028A762}">
-  <ds:schemaRefs>
-    <ds:schemaRef ds:uri="http://schemas.microsoft.com/VisualStudio/2011/storyboarding/control"/>
-  </ds:schemaRefs>
-</ds:datastoreItem>
+<file path=docMetadata/LabelInfo.xml><?xml version="1.0" encoding="utf-8"?>
+<clbl:labelList xmlns:clbl="http://schemas.microsoft.com/office/2020/mipLabelMetadata">
+  <clbl:label id="{f42aa342-8706-4288-bd11-ebb85995028c}" enabled="1" method="Standard" siteId="{72f988bf-86f1-41af-91ab-2d7cd011db47}" contentBits="0" removed="0"/>
+</clbl:labelList>
 </file>